--- a/nextGen/nextGen.pptx
+++ b/nextGen/nextGen.pptx
@@ -4020,7 +4020,7 @@
         </p:nvSpPr>
         <p:spPr>
           <a:xfrm>
-            <a:off x="9656958" y="690091"/>
+            <a:off x="9656958" y="1496922"/>
             <a:ext cx="1247887" cy="732094"/>
           </a:xfrm>
           <a:prstGeom prst="rect">
@@ -4073,8 +4073,8 @@
         </p:nvCxnSpPr>
         <p:spPr>
           <a:xfrm flipH="1">
-            <a:off x="6531638" y="1056138"/>
-            <a:ext cx="3125320" cy="1159639"/>
+            <a:off x="6531638" y="1862969"/>
+            <a:ext cx="3125320" cy="352808"/>
           </a:xfrm>
           <a:prstGeom prst="straightConnector1">
             <a:avLst/>
@@ -4693,6 +4693,132 @@
           </a:p>
         </p:txBody>
       </p:sp>
+      <p:sp>
+        <p:nvSpPr>
+          <p:cNvPr id="10" name="Rectangle 9">
+            <a:extLst>
+              <a:ext uri="{FF2B5EF4-FFF2-40B4-BE49-F238E27FC236}">
+                <a16:creationId xmlns:a16="http://schemas.microsoft.com/office/drawing/2014/main" id="{0ACB8D4A-5130-9647-9A63-4C7088CFC883}"/>
+              </a:ext>
+            </a:extLst>
+          </p:cNvPr>
+          <p:cNvSpPr/>
+          <p:nvPr/>
+        </p:nvSpPr>
+        <p:spPr>
+          <a:xfrm>
+            <a:off x="1748838" y="1922064"/>
+            <a:ext cx="2895344" cy="246221"/>
+          </a:xfrm>
+          <a:prstGeom prst="rect">
+            <a:avLst/>
+          </a:prstGeom>
+        </p:spPr>
+        <p:txBody>
+          <a:bodyPr wrap="none">
+            <a:spAutoFit/>
+          </a:bodyPr>
+          <a:lstStyle/>
+          <a:p>
+            <a:r>
+              <a:rPr lang="en-US" sz="1000" dirty="0"/>
+              <a:t>http://warn.s3-website-us-west-2.amazonaws.com/</a:t>
+            </a:r>
+          </a:p>
+        </p:txBody>
+      </p:sp>
+      <p:sp>
+        <p:nvSpPr>
+          <p:cNvPr id="11" name="Cloud 10">
+            <a:extLst>
+              <a:ext uri="{FF2B5EF4-FFF2-40B4-BE49-F238E27FC236}">
+                <a16:creationId xmlns:a16="http://schemas.microsoft.com/office/drawing/2014/main" id="{6F57FD81-EC0C-964C-A554-8F01A245D3D6}"/>
+              </a:ext>
+            </a:extLst>
+          </p:cNvPr>
+          <p:cNvSpPr/>
+          <p:nvPr/>
+        </p:nvSpPr>
+        <p:spPr>
+          <a:xfrm>
+            <a:off x="9746428" y="458933"/>
+            <a:ext cx="1075765" cy="649109"/>
+          </a:xfrm>
+          <a:prstGeom prst="cloud">
+            <a:avLst/>
+          </a:prstGeom>
+        </p:spPr>
+        <p:style>
+          <a:lnRef idx="2">
+            <a:schemeClr val="accent1">
+              <a:shade val="50000"/>
+            </a:schemeClr>
+          </a:lnRef>
+          <a:fillRef idx="1">
+            <a:schemeClr val="accent1"/>
+          </a:fillRef>
+          <a:effectRef idx="0">
+            <a:schemeClr val="accent1"/>
+          </a:effectRef>
+          <a:fontRef idx="minor">
+            <a:schemeClr val="lt1"/>
+          </a:fontRef>
+        </p:style>
+        <p:txBody>
+          <a:bodyPr rtlCol="0" anchor="ctr"/>
+          <a:lstStyle/>
+          <a:p>
+            <a:pPr algn="ctr"/>
+            <a:r>
+              <a:rPr lang="en-US" dirty="0"/>
+              <a:t>PBS</a:t>
+            </a:r>
+          </a:p>
+        </p:txBody>
+      </p:sp>
+      <p:cxnSp>
+        <p:nvCxnSpPr>
+          <p:cNvPr id="34" name="Straight Arrow Connector 33">
+            <a:extLst>
+              <a:ext uri="{FF2B5EF4-FFF2-40B4-BE49-F238E27FC236}">
+                <a16:creationId xmlns:a16="http://schemas.microsoft.com/office/drawing/2014/main" id="{739D93C2-8B74-8847-BC9C-3083FDB74195}"/>
+              </a:ext>
+            </a:extLst>
+          </p:cNvPr>
+          <p:cNvCxnSpPr>
+            <a:cxnSpLocks/>
+            <a:stCxn id="11" idx="1"/>
+            <a:endCxn id="27" idx="0"/>
+          </p:cNvCxnSpPr>
+          <p:nvPr/>
+        </p:nvCxnSpPr>
+        <p:spPr>
+          <a:xfrm flipH="1">
+            <a:off x="10280902" y="1107351"/>
+            <a:ext cx="3409" cy="389571"/>
+          </a:xfrm>
+          <a:prstGeom prst="straightConnector1">
+            <a:avLst/>
+          </a:prstGeom>
+          <a:ln>
+            <a:tailEnd type="triangle"/>
+          </a:ln>
+        </p:spPr>
+        <p:style>
+          <a:lnRef idx="1">
+            <a:schemeClr val="accent1"/>
+          </a:lnRef>
+          <a:fillRef idx="0">
+            <a:schemeClr val="accent1"/>
+          </a:fillRef>
+          <a:effectRef idx="0">
+            <a:schemeClr val="accent1"/>
+          </a:effectRef>
+          <a:fontRef idx="minor">
+            <a:schemeClr val="tx1"/>
+          </a:fontRef>
+        </p:style>
+      </p:cxnSp>
     </p:spTree>
     <p:extLst>
       <p:ext uri="{BB962C8B-B14F-4D97-AF65-F5344CB8AC3E}">

--- a/nextGen/nextGen.pptx
+++ b/nextGen/nextGen.pptx
@@ -4167,7 +4167,7 @@
           <a:p>
             <a:r>
               <a:rPr lang="en-US" sz="1100" dirty="0"/>
-              <a:t>11/5/2018</a:t>
+              <a:t>11/22/2018</a:t>
             </a:r>
           </a:p>
         </p:txBody>
@@ -4819,6 +4819,41 @@
           </a:fontRef>
         </p:style>
       </p:cxnSp>
+      <p:sp>
+        <p:nvSpPr>
+          <p:cNvPr id="14" name="TextBox 13">
+            <a:extLst>
+              <a:ext uri="{FF2B5EF4-FFF2-40B4-BE49-F238E27FC236}">
+                <a16:creationId xmlns:a16="http://schemas.microsoft.com/office/drawing/2014/main" id="{7E06EF6A-0229-DD4F-89A8-154073D6CFC7}"/>
+              </a:ext>
+            </a:extLst>
+          </p:cNvPr>
+          <p:cNvSpPr txBox="1"/>
+          <p:nvPr/>
+        </p:nvSpPr>
+        <p:spPr>
+          <a:xfrm>
+            <a:off x="10284304" y="1174330"/>
+            <a:ext cx="1955053" cy="261610"/>
+          </a:xfrm>
+          <a:prstGeom prst="rect">
+            <a:avLst/>
+          </a:prstGeom>
+          <a:noFill/>
+        </p:spPr>
+        <p:txBody>
+          <a:bodyPr wrap="square" rtlCol="0">
+            <a:spAutoFit/>
+          </a:bodyPr>
+          <a:lstStyle/>
+          <a:p>
+            <a:r>
+              <a:rPr lang="en-US" sz="1050" dirty="0"/>
+              <a:t>PID 911</a:t>
+            </a:r>
+          </a:p>
+        </p:txBody>
+      </p:sp>
     </p:spTree>
     <p:extLst>
       <p:ext uri="{BB962C8B-B14F-4D97-AF65-F5344CB8AC3E}">
